--- a/GPower_презентация.pptx
+++ b/GPower_презентация.pptx
@@ -12607,53 +12607,187 @@
           </p:sp>
         </mc:Fallback>
       </mc:AlternateContent>
-      <p:pic>
-        <p:nvPicPr>
-          <p:cNvPr id="1030" name="Picture 6">
-            <a:extLst>
-              <a:ext uri="{FF2B5EF4-FFF2-40B4-BE49-F238E27FC236}">
-                <a16:creationId xmlns:a16="http://schemas.microsoft.com/office/drawing/2014/main" id="{0284A95D-8B7F-49D2-B6DA-5A8B1E95091C}"/>
-              </a:ext>
-            </a:extLst>
-          </p:cNvPr>
-          <p:cNvPicPr>
-            <a:picLocks noChangeAspect="1" noChangeArrowheads="1"/>
-          </p:cNvPicPr>
+      <p:grpSp>
+        <p:nvGrpSpPr>
+          <p:cNvPr id="19" name="Группа 18">
+            <a:extLst>
+              <a:ext uri="{FF2B5EF4-FFF2-40B4-BE49-F238E27FC236}">
+                <a16:creationId xmlns:a16="http://schemas.microsoft.com/office/drawing/2014/main" id="{5E923861-63F9-4AC7-B567-EA86F3B19EE7}"/>
+              </a:ext>
+            </a:extLst>
+          </p:cNvPr>
+          <p:cNvGrpSpPr/>
           <p:nvPr/>
-        </p:nvPicPr>
-        <p:blipFill>
-          <a:blip r:embed="rId4">
-            <a:extLst>
-              <a:ext uri="{28A0092B-C50C-407E-A947-70E740481C1C}">
-                <a14:useLocalDpi xmlns:a14="http://schemas.microsoft.com/office/drawing/2010/main" val="0"/>
-              </a:ext>
-            </a:extLst>
-          </a:blip>
-          <a:srcRect/>
-          <a:stretch>
-            <a:fillRect/>
-          </a:stretch>
-        </p:blipFill>
-        <p:spPr bwMode="auto">
-          <a:xfrm>
-            <a:off x="70375" y="1182494"/>
-            <a:ext cx="11965625" cy="5216506"/>
-          </a:xfrm>
-          <a:prstGeom prst="rect">
-            <a:avLst/>
-          </a:prstGeom>
-          <a:noFill/>
-          <a:extLst>
-            <a:ext uri="{909E8E84-426E-40DD-AFC4-6F175D3DCCD1}">
-              <a14:hiddenFill xmlns:a14="http://schemas.microsoft.com/office/drawing/2010/main">
-                <a:solidFill>
-                  <a:srgbClr val="FFFFFF"/>
-                </a:solidFill>
-              </a14:hiddenFill>
-            </a:ext>
-          </a:extLst>
-        </p:spPr>
-      </p:pic>
+        </p:nvGrpSpPr>
+        <p:grpSpPr>
+          <a:xfrm>
+            <a:off x="246001" y="1449000"/>
+            <a:ext cx="11741314" cy="5298919"/>
+            <a:chOff x="246001" y="1449000"/>
+            <a:chExt cx="11741314" cy="5298919"/>
+          </a:xfrm>
+        </p:grpSpPr>
+        <p:pic>
+          <p:nvPicPr>
+            <p:cNvPr id="1030" name="Picture 6">
+              <a:extLst>
+                <a:ext uri="{FF2B5EF4-FFF2-40B4-BE49-F238E27FC236}">
+                  <a16:creationId xmlns:a16="http://schemas.microsoft.com/office/drawing/2014/main" id="{0284A95D-8B7F-49D2-B6DA-5A8B1E95091C}"/>
+                </a:ext>
+              </a:extLst>
+            </p:cNvPr>
+            <p:cNvPicPr>
+              <a:picLocks noChangeAspect="1" noChangeArrowheads="1"/>
+            </p:cNvPicPr>
+            <p:nvPr/>
+          </p:nvPicPr>
+          <p:blipFill rotWithShape="1">
+            <a:blip r:embed="rId4">
+              <a:extLst>
+                <a:ext uri="{28A0092B-C50C-407E-A947-70E740481C1C}">
+                  <a14:useLocalDpi xmlns:a14="http://schemas.microsoft.com/office/drawing/2010/main" val="0"/>
+                </a:ext>
+              </a:extLst>
+            </a:blip>
+            <a:srcRect t="5109"/>
+            <a:stretch/>
+          </p:blipFill>
+          <p:spPr bwMode="auto">
+            <a:xfrm>
+              <a:off x="561000" y="1449000"/>
+              <a:ext cx="11025000" cy="4949999"/>
+            </a:xfrm>
+            <a:prstGeom prst="rect">
+              <a:avLst/>
+            </a:prstGeom>
+            <a:noFill/>
+            <a:extLst>
+              <a:ext uri="{909E8E84-426E-40DD-AFC4-6F175D3DCCD1}">
+                <a14:hiddenFill xmlns:a14="http://schemas.microsoft.com/office/drawing/2010/main">
+                  <a:solidFill>
+                    <a:srgbClr val="FFFFFF"/>
+                  </a:solidFill>
+                </a14:hiddenFill>
+              </a:ext>
+            </a:extLst>
+          </p:spPr>
+        </p:pic>
+        <p:sp>
+          <p:nvSpPr>
+            <p:cNvPr id="16" name="TextBox 15">
+              <a:extLst>
+                <a:ext uri="{FF2B5EF4-FFF2-40B4-BE49-F238E27FC236}">
+                  <a16:creationId xmlns:a16="http://schemas.microsoft.com/office/drawing/2014/main" id="{87F406AD-E33D-4CFC-9CF9-F7286E2374D5}"/>
+                </a:ext>
+              </a:extLst>
+            </p:cNvPr>
+            <p:cNvSpPr txBox="1"/>
+            <p:nvPr/>
+          </p:nvSpPr>
+          <p:spPr>
+            <a:xfrm rot="16200000">
+              <a:off x="-804063" y="3624063"/>
+              <a:ext cx="2469459" cy="369332"/>
+            </a:xfrm>
+            <a:prstGeom prst="rect">
+              <a:avLst/>
+            </a:prstGeom>
+            <a:noFill/>
+          </p:spPr>
+          <p:txBody>
+            <a:bodyPr wrap="square" rtlCol="0">
+              <a:spAutoFit/>
+            </a:bodyPr>
+            <a:lstStyle/>
+            <a:p>
+              <a:r>
+                <a:rPr lang="ru-RU" dirty="0"/>
+                <a:t> цена в копейках, 10</a:t>
+              </a:r>
+              <a:r>
+                <a:rPr lang="ru-RU" baseline="30000" dirty="0"/>
+                <a:t>6</a:t>
+              </a:r>
+              <a:endParaRPr lang="ru-RU" dirty="0"/>
+            </a:p>
+          </p:txBody>
+        </p:sp>
+        <p:sp>
+          <p:nvSpPr>
+            <p:cNvPr id="36" name="TextBox 35">
+              <a:extLst>
+                <a:ext uri="{FF2B5EF4-FFF2-40B4-BE49-F238E27FC236}">
+                  <a16:creationId xmlns:a16="http://schemas.microsoft.com/office/drawing/2014/main" id="{7BC2A8C8-D671-42CB-B49F-F0EBA259C8AD}"/>
+                </a:ext>
+              </a:extLst>
+            </p:cNvPr>
+            <p:cNvSpPr txBox="1"/>
+            <p:nvPr/>
+          </p:nvSpPr>
+          <p:spPr>
+            <a:xfrm rot="5400000">
+              <a:off x="9662956" y="3764027"/>
+              <a:ext cx="4279385" cy="369332"/>
+            </a:xfrm>
+            <a:prstGeom prst="rect">
+              <a:avLst/>
+            </a:prstGeom>
+            <a:noFill/>
+          </p:spPr>
+          <p:txBody>
+            <a:bodyPr wrap="square" rtlCol="0">
+              <a:spAutoFit/>
+            </a:bodyPr>
+            <a:lstStyle/>
+            <a:p>
+              <a:r>
+                <a:rPr lang="ru-RU" dirty="0"/>
+                <a:t>количество проданного товара, </a:t>
+              </a:r>
+              <a:r>
+                <a:rPr lang="ru-RU" dirty="0" err="1"/>
+                <a:t>шт</a:t>
+              </a:r>
+              <a:endParaRPr lang="ru-RU" dirty="0"/>
+            </a:p>
+          </p:txBody>
+        </p:sp>
+        <p:sp>
+          <p:nvSpPr>
+            <p:cNvPr id="37" name="TextBox 36">
+              <a:extLst>
+                <a:ext uri="{FF2B5EF4-FFF2-40B4-BE49-F238E27FC236}">
+                  <a16:creationId xmlns:a16="http://schemas.microsoft.com/office/drawing/2014/main" id="{AA09AE7E-ABCA-4ABC-B8D9-1AE85D3A8D06}"/>
+                </a:ext>
+              </a:extLst>
+            </p:cNvPr>
+            <p:cNvSpPr txBox="1"/>
+            <p:nvPr/>
+          </p:nvSpPr>
+          <p:spPr>
+            <a:xfrm>
+              <a:off x="5781000" y="6378587"/>
+              <a:ext cx="3060000" cy="369332"/>
+            </a:xfrm>
+            <a:prstGeom prst="rect">
+              <a:avLst/>
+            </a:prstGeom>
+            <a:noFill/>
+          </p:spPr>
+          <p:txBody>
+            <a:bodyPr wrap="square" rtlCol="0">
+              <a:spAutoFit/>
+            </a:bodyPr>
+            <a:lstStyle/>
+            <a:p>
+              <a:r>
+                <a:rPr lang="ru-RU" dirty="0"/>
+                <a:t>месяц</a:t>
+              </a:r>
+            </a:p>
+          </p:txBody>
+        </p:sp>
+      </p:grpSp>
     </p:spTree>
     <p:extLst>
       <p:ext uri="{BB962C8B-B14F-4D97-AF65-F5344CB8AC3E}">
